--- a/Documentation/presentations/overview/caGrid-TechnicalChallenges-iPlantWorkshop-Jan2009.pptx
+++ b/Documentation/presentations/overview/caGrid-TechnicalChallenges-iPlantWorkshop-Jan2009.pptx
@@ -665,7 +665,7 @@
         <p:nvSpPr>
           <p:cNvPr id="18435" name="Rectangle 2"/>
           <p:cNvSpPr>
-            <a:spLocks noRot="1" noChangeArrowheads="1" noTextEdit="1"/>
+            <a:spLocks noGrp="1" noRot="1" noChangeAspect="1" noChangeArrowheads="1" noTextEdit="1"/>
           </p:cNvSpPr>
           <p:nvPr>
             <p:ph type="sldImg"/>
@@ -765,7 +765,7 @@
         <p:nvSpPr>
           <p:cNvPr id="86019" name="Rectangle 2"/>
           <p:cNvSpPr>
-            <a:spLocks noChangeArrowheads="1" noTextEdit="1"/>
+            <a:spLocks noGrp="1" noRot="1" noChangeAspect="1" noChangeArrowheads="1" noTextEdit="1"/>
           </p:cNvSpPr>
           <p:nvPr>
             <p:ph type="sldImg"/>
@@ -786,7 +786,7 @@
         <p:nvSpPr>
           <p:cNvPr id="86020" name="Text Box 3"/>
           <p:cNvSpPr>
-            <a:spLocks noChangeArrowheads="1"/>
+            <a:spLocks noGrp="1" noChangeArrowheads="1"/>
           </p:cNvSpPr>
           <p:nvPr>
             <p:ph type="body" idx="1"/>
@@ -3292,11 +3292,6 @@
               </a:rPr>
               <a:t>caGrid Experiences</a:t>
             </a:r>
-            <a:endParaRPr lang="en-US" sz="2500" i="1" dirty="0" smtClean="0">
-              <a:latin typeface="Arial Black" charset="0"/>
-              <a:ea typeface="ＭＳ Ｐゴシック" charset="-128"/>
-              <a:cs typeface="ＭＳ Ｐゴシック" charset="-128"/>
-            </a:endParaRPr>
           </a:p>
         </p:txBody>
       </p:sp>
@@ -3337,23 +3332,7 @@
                 <a:cs typeface="ＭＳ Ｐゴシック" charset="-128"/>
                 <a:hlinkClick r:id="rId2"/>
               </a:rPr>
-              <a:t>Scott.Oster</a:t>
-            </a:r>
-            <a:r>
-              <a:rPr lang="en-US" b="0" dirty="0" smtClean="0">
-                <a:ea typeface="ＭＳ Ｐゴシック" charset="-128"/>
-                <a:cs typeface="ＭＳ Ｐゴシック" charset="-128"/>
-                <a:hlinkClick r:id="rId2"/>
-              </a:rPr>
-              <a:t>@</a:t>
-            </a:r>
-            <a:r>
-              <a:rPr lang="en-US" b="0" dirty="0" smtClean="0">
-                <a:ea typeface="ＭＳ Ｐゴシック" charset="-128"/>
-                <a:cs typeface="ＭＳ Ｐゴシック" charset="-128"/>
-                <a:hlinkClick r:id="rId2"/>
-              </a:rPr>
-              <a:t>osumc.edu</a:t>
+              <a:t>Scott.Oster@osumc.edu</a:t>
             </a:r>
             <a:endParaRPr lang="en-US" b="0" dirty="0" smtClean="0">
               <a:ea typeface="ＭＳ Ｐゴシック" charset="-128"/>
@@ -5140,7 +5119,7 @@
         </p:xfrm>
         <a:graphic>
           <a:graphicData uri="http://schemas.openxmlformats.org/presentationml/2006/ole">
-            <p:oleObj spid="_x0000_s91138" name="Bitmap Image" r:id="rId4" imgW="3238952" imgH="2343477" progId="Paint.Picture">
+            <p:oleObj spid="_x0000_s91138" name="Bitmap Image" r:id="rId4" imgW="3238952" imgH="2343477" progId="">
               <p:embed/>
             </p:oleObj>
           </a:graphicData>
@@ -5670,8 +5649,8 @@
           </p:cNvPicPr>
           <p:nvPr/>
         </p:nvPicPr>
-        <mc:AlternateContent>
-          <mc:Choice xmlns:ma="http://schemas.microsoft.com/office/mac/drawingml/2008/main" Requires="ma">
+        <mc:AlternateContent xmlns:ma="http://schemas.microsoft.com/office/mac/drawingml/2008/main">
+          <mc:Choice Requires="ma">
             <p:blipFill>
               <a:blip r:embed="rId2"/>
               <a:stretch>
@@ -5679,7 +5658,7 @@
               </a:stretch>
             </p:blipFill>
           </mc:Choice>
-          <mc:Fallback>
+          <mc:Fallback xmlns:p="http://schemas.openxmlformats.org/presentationml/2006/main" xmlns:mv="urn:schemas-microsoft-com:mac:vml" xmlns:mc="http://schemas.openxmlformats.org/markup-compatibility/2006" xmlns:r="http://schemas.openxmlformats.org/officeDocument/2006/relationships" xmlns:a="http://schemas.openxmlformats.org/drawingml/2006/main" xmlns="">
             <p:blipFill>
               <a:blip r:embed="rId3"/>
               <a:stretch>
@@ -5824,8 +5803,8 @@
           </p:cNvPicPr>
           <p:nvPr/>
         </p:nvPicPr>
-        <mc:AlternateContent>
-          <mc:Choice xmlns:ma="http://schemas.microsoft.com/office/mac/drawingml/2008/main" Requires="ma">
+        <mc:AlternateContent xmlns:ma="http://schemas.microsoft.com/office/mac/drawingml/2008/main">
+          <mc:Choice Requires="ma">
             <p:blipFill>
               <a:blip r:embed="rId2">
                 <a:alphaModFix amt="44000"/>
@@ -5835,7 +5814,7 @@
               </a:stretch>
             </p:blipFill>
           </mc:Choice>
-          <mc:Fallback>
+          <mc:Fallback xmlns:p="http://schemas.openxmlformats.org/presentationml/2006/main" xmlns:mv="urn:schemas-microsoft-com:mac:vml" xmlns:mc="http://schemas.openxmlformats.org/markup-compatibility/2006" xmlns:r="http://schemas.openxmlformats.org/officeDocument/2006/relationships" xmlns:a="http://schemas.openxmlformats.org/drawingml/2006/main" xmlns="">
             <p:blipFill>
               <a:blip r:embed="rId3">
                 <a:alphaModFix amt="44000"/>
@@ -5949,8 +5928,8 @@
           </p:cNvPicPr>
           <p:nvPr/>
         </p:nvPicPr>
-        <mc:AlternateContent>
-          <mc:Choice xmlns:ma="http://schemas.microsoft.com/office/mac/drawingml/2008/main" Requires="ma">
+        <mc:AlternateContent xmlns:ma="http://schemas.microsoft.com/office/mac/drawingml/2008/main">
+          <mc:Choice Requires="ma">
             <p:blipFill>
               <a:blip r:embed="rId2"/>
               <a:stretch>
@@ -5958,7 +5937,7 @@
               </a:stretch>
             </p:blipFill>
           </mc:Choice>
-          <mc:Fallback>
+          <mc:Fallback xmlns:p="http://schemas.openxmlformats.org/presentationml/2006/main" xmlns:mv="urn:schemas-microsoft-com:mac:vml" xmlns:mc="http://schemas.openxmlformats.org/markup-compatibility/2006" xmlns:r="http://schemas.openxmlformats.org/officeDocument/2006/relationships" xmlns:a="http://schemas.openxmlformats.org/drawingml/2006/main" xmlns="">
             <p:blipFill>
               <a:blip r:embed="rId3"/>
               <a:stretch>
@@ -6140,8 +6119,8 @@
           </p:cNvPicPr>
           <p:nvPr/>
         </p:nvPicPr>
-        <mc:AlternateContent>
-          <mc:Choice xmlns:ma="http://schemas.microsoft.com/office/mac/drawingml/2008/main" Requires="ma">
+        <mc:AlternateContent xmlns:ma="http://schemas.microsoft.com/office/mac/drawingml/2008/main">
+          <mc:Choice Requires="ma">
             <p:blipFill>
               <a:blip r:embed="rId2"/>
               <a:stretch>
@@ -6149,7 +6128,7 @@
               </a:stretch>
             </p:blipFill>
           </mc:Choice>
-          <mc:Fallback>
+          <mc:Fallback xmlns:p="http://schemas.openxmlformats.org/presentationml/2006/main" xmlns:mv="urn:schemas-microsoft-com:mac:vml" xmlns:mc="http://schemas.openxmlformats.org/markup-compatibility/2006" xmlns:r="http://schemas.openxmlformats.org/officeDocument/2006/relationships" xmlns:a="http://schemas.openxmlformats.org/drawingml/2006/main" xmlns="">
             <p:blipFill>
               <a:blip r:embed="rId3"/>
               <a:stretch>
@@ -6331,8 +6310,8 @@
           </p:cNvPicPr>
           <p:nvPr/>
         </p:nvPicPr>
-        <mc:AlternateContent>
-          <mc:Choice xmlns:ma="http://schemas.microsoft.com/office/mac/drawingml/2008/main" Requires="ma">
+        <mc:AlternateContent xmlns:ma="http://schemas.microsoft.com/office/mac/drawingml/2008/main">
+          <mc:Choice Requires="ma">
             <p:blipFill>
               <a:blip r:embed="rId2"/>
               <a:stretch>
@@ -6340,7 +6319,7 @@
               </a:stretch>
             </p:blipFill>
           </mc:Choice>
-          <mc:Fallback>
+          <mc:Fallback xmlns:p="http://schemas.openxmlformats.org/presentationml/2006/main" xmlns:mv="urn:schemas-microsoft-com:mac:vml" xmlns:mc="http://schemas.openxmlformats.org/markup-compatibility/2006" xmlns:r="http://schemas.openxmlformats.org/officeDocument/2006/relationships" xmlns:a="http://schemas.openxmlformats.org/drawingml/2006/main" xmlns="">
             <p:blipFill>
               <a:blip r:embed="rId3"/>
               <a:stretch>
@@ -6544,8 +6523,8 @@
           </p:cNvPicPr>
           <p:nvPr/>
         </p:nvPicPr>
-        <mc:AlternateContent>
-          <mc:Choice xmlns:ma="http://schemas.microsoft.com/office/mac/drawingml/2008/main" Requires="ma">
+        <mc:AlternateContent xmlns:ma="http://schemas.microsoft.com/office/mac/drawingml/2008/main">
+          <mc:Choice Requires="ma">
             <p:blipFill>
               <a:blip r:embed="rId2"/>
               <a:stretch>
@@ -6553,7 +6532,7 @@
               </a:stretch>
             </p:blipFill>
           </mc:Choice>
-          <mc:Fallback>
+          <mc:Fallback xmlns:p="http://schemas.openxmlformats.org/presentationml/2006/main" xmlns:mv="urn:schemas-microsoft-com:mac:vml" xmlns:mc="http://schemas.openxmlformats.org/markup-compatibility/2006" xmlns:r="http://schemas.openxmlformats.org/officeDocument/2006/relationships" xmlns:a="http://schemas.openxmlformats.org/drawingml/2006/main" xmlns="">
             <p:blipFill>
               <a:blip r:embed="rId3"/>
               <a:stretch>
@@ -7069,8 +7048,8 @@
           </p:cNvPicPr>
           <p:nvPr/>
         </p:nvPicPr>
-        <mc:AlternateContent>
-          <mc:Choice xmlns:ma="http://schemas.microsoft.com/office/mac/drawingml/2008/main" Requires="ma">
+        <mc:AlternateContent xmlns:ma="http://schemas.microsoft.com/office/mac/drawingml/2008/main">
+          <mc:Choice Requires="ma">
             <p:blipFill>
               <a:blip r:embed="rId2"/>
               <a:stretch>
@@ -7078,7 +7057,7 @@
               </a:stretch>
             </p:blipFill>
           </mc:Choice>
-          <mc:Fallback>
+          <mc:Fallback xmlns:p="http://schemas.openxmlformats.org/presentationml/2006/main" xmlns:mv="urn:schemas-microsoft-com:mac:vml" xmlns:mc="http://schemas.openxmlformats.org/markup-compatibility/2006" xmlns:r="http://schemas.openxmlformats.org/officeDocument/2006/relationships" xmlns:a="http://schemas.openxmlformats.org/drawingml/2006/main" xmlns="">
             <p:blipFill>
               <a:blip r:embed="rId3"/>
               <a:stretch>
@@ -7441,19 +7420,7 @@
               <a:rPr lang="en-US" sz="2000" b="1" dirty="0" smtClean="0">
                 <a:latin typeface="Tahoma" charset="0"/>
               </a:rPr>
-              <a:t>Federated Trust </a:t>
-            </a:r>
-            <a:r>
-              <a:rPr lang="en-US" sz="2000" b="1" dirty="0" smtClean="0">
-                <a:latin typeface="Tahoma" charset="0"/>
-              </a:rPr>
-              <a:t>Models via Grid Trust Service </a:t>
-            </a:r>
-            <a:r>
-              <a:rPr lang="en-US" sz="2000" b="1" dirty="0" smtClean="0">
-                <a:latin typeface="Tahoma" charset="0"/>
-              </a:rPr>
-              <a:t>(GTS)</a:t>
+              <a:t>Federated Trust Models via Grid Trust Service (GTS)</a:t>
             </a:r>
           </a:p>
           <a:p>
@@ -7525,19 +7492,7 @@
               <a:rPr lang="en-US" sz="2000" dirty="0" smtClean="0">
                 <a:latin typeface="Tahoma" charset="0"/>
               </a:rPr>
-              <a:t>Provide enterprise tools and services for management and automate distribution </a:t>
-            </a:r>
-            <a:r>
-              <a:rPr lang="en-US" sz="2000" dirty="0" smtClean="0">
-                <a:latin typeface="Tahoma" charset="0"/>
-              </a:rPr>
-              <a:t>of </a:t>
-            </a:r>
-            <a:r>
-              <a:rPr lang="en-US" sz="2000" dirty="0" smtClean="0">
-                <a:latin typeface="Tahoma" charset="0"/>
-              </a:rPr>
-              <a:t>information</a:t>
+              <a:t>Provide enterprise tools and services for management and automate distribution of information</a:t>
             </a:r>
           </a:p>
           <a:p>
@@ -7557,9 +7512,6 @@
               </a:rPr>
               <a:t>Allows one to build a scalable Trust Fabric</a:t>
             </a:r>
-            <a:endParaRPr lang="en-US" sz="2000" dirty="0" smtClean="0">
-              <a:latin typeface="Tahoma" charset="0"/>
-            </a:endParaRPr>
           </a:p>
           <a:p>
             <a:pPr marL="342900" indent="-342900" eaLnBrk="0" hangingPunct="0">
@@ -8391,15 +8343,7 @@
                   <a:schemeClr val="accent6"/>
                 </a:solidFill>
               </a:rPr>
-              <a:t>caGrid </a:t>
-            </a:r>
-            <a:r>
-              <a:rPr lang="en-US" sz="2000" dirty="0" smtClean="0">
-                <a:solidFill>
-                  <a:schemeClr val="accent6"/>
-                </a:solidFill>
-              </a:rPr>
-              <a:t>Website (</a:t>
+              <a:t>caGrid Website (</a:t>
             </a:r>
             <a:r>
               <a:rPr lang="en-US" sz="2000" dirty="0" smtClean="0">
@@ -8548,15 +8492,7 @@
                   <a:srgbClr val="2D2D8A"/>
                 </a:solidFill>
               </a:rPr>
-              <a:t>caGrid </a:t>
-            </a:r>
-            <a:r>
-              <a:rPr lang="en-US" sz="2000" dirty="0" smtClean="0">
-                <a:solidFill>
-                  <a:srgbClr val="2D2D8A"/>
-                </a:solidFill>
-              </a:rPr>
-              <a:t>Knowledge Center (</a:t>
+              <a:t>caGrid Knowledge Center (</a:t>
             </a:r>
             <a:r>
               <a:rPr lang="en-US" sz="2000" dirty="0" smtClean="0">
@@ -8565,16 +8501,7 @@
                 </a:solidFill>
                 <a:hlinkClick r:id="rId3"/>
               </a:rPr>
-              <a:t>http://knowledge.cagrid.</a:t>
-            </a:r>
-            <a:r>
-              <a:rPr lang="en-US" sz="2000" dirty="0" smtClean="0">
-                <a:solidFill>
-                  <a:srgbClr val="2D2D8A"/>
-                </a:solidFill>
-                <a:hlinkClick r:id="rId3"/>
-              </a:rPr>
-              <a:t>org</a:t>
+              <a:t>http://knowledge.cagrid.org</a:t>
             </a:r>
             <a:r>
               <a:rPr lang="en-US" sz="2000" dirty="0" smtClean="0">
@@ -8584,11 +8511,6 @@
               </a:rPr>
               <a:t>)</a:t>
             </a:r>
-            <a:endParaRPr lang="en-US" sz="2000" dirty="0" smtClean="0">
-              <a:solidFill>
-                <a:srgbClr val="2D2D8A"/>
-              </a:solidFill>
-            </a:endParaRPr>
           </a:p>
           <a:p>
             <a:pPr lvl="1" eaLnBrk="1" hangingPunct="1">
@@ -8598,11 +8520,7 @@
             </a:pPr>
             <a:r>
               <a:rPr lang="en-US" dirty="0" smtClean="0"/>
-              <a:t>Technical Support and </a:t>
-            </a:r>
-            <a:r>
-              <a:rPr lang="en-US" dirty="0" smtClean="0"/>
-              <a:t>Guidance</a:t>
+              <a:t>Technical Support and Guidance</a:t>
             </a:r>
             <a:endParaRPr lang="en-US" sz="1800" dirty="0" smtClean="0"/>
           </a:p>
@@ -8653,55 +8571,7 @@
                   <a:srgbClr val="000000"/>
                 </a:solidFill>
               </a:rPr>
-              <a:t>Keynote from Challenges </a:t>
-            </a:r>
-            <a:r>
-              <a:rPr lang="en-US" sz="1600" i="1" dirty="0" smtClean="0">
-                <a:solidFill>
-                  <a:srgbClr val="000000"/>
-                </a:solidFill>
-              </a:rPr>
-              <a:t>of Large </a:t>
-            </a:r>
-            <a:r>
-              <a:rPr lang="en-US" sz="1600" i="1" dirty="0" smtClean="0">
-                <a:solidFill>
-                  <a:srgbClr val="000000"/>
-                </a:solidFill>
-              </a:rPr>
-              <a:t>Applications</a:t>
-            </a:r>
-            <a:r>
-              <a:rPr lang="en-US" sz="1600" i="1" dirty="0" smtClean="0">
-                <a:solidFill>
-                  <a:srgbClr val="000000"/>
-                </a:solidFill>
-              </a:rPr>
-              <a:t> </a:t>
-            </a:r>
-            <a:r>
-              <a:rPr lang="en-US" sz="1600" i="1" dirty="0" smtClean="0">
-                <a:solidFill>
-                  <a:srgbClr val="000000"/>
-                </a:solidFill>
-              </a:rPr>
-              <a:t>in </a:t>
-            </a:r>
-            <a:r>
-              <a:rPr lang="en-US" sz="1600" i="1" dirty="0" smtClean="0">
-                <a:solidFill>
-                  <a:srgbClr val="000000"/>
-                </a:solidFill>
-              </a:rPr>
-              <a:t>Distributed Environments (CLADE)</a:t>
-            </a:r>
-            <a:r>
-              <a:rPr lang="en-US" sz="1600" i="1" dirty="0" smtClean="0">
-                <a:solidFill>
-                  <a:srgbClr val="000000"/>
-                </a:solidFill>
-              </a:rPr>
-              <a:t> Workshop 2007:</a:t>
+              <a:t>Keynote from Challenges of Large Applications in Distributed Environments (CLADE) Workshop 2007:</a:t>
             </a:r>
             <a:r>
               <a:rPr lang="en-US" sz="1600" i="1" dirty="0" smtClean="0">
@@ -8720,17 +8590,27 @@
               </a:lnSpc>
             </a:pPr>
             <a:r>
-              <a:rPr lang="en-US" dirty="0" smtClean="0"/>
-              <a:t>TODO: URL</a:t>
-            </a:r>
-            <a:endParaRPr lang="en-US" dirty="0" smtClean="0"/>
-          </a:p>
-          <a:p>
-            <a:pPr lvl="1" eaLnBrk="1" hangingPunct="1">
-              <a:lnSpc>
-                <a:spcPct val="80000"/>
-              </a:lnSpc>
-            </a:pPr>
+              <a:rPr lang="en-US" smtClean="0">
+                <a:hlinkClick r:id="rId5"/>
+              </a:rPr>
+              <a:t>http://users.sdsc.edu/~wilkinsn/CLADE_2007/CLADE2007-keynote-oster</a:t>
+            </a:r>
+            <a:r>
+              <a:rPr lang="en-US" smtClean="0">
+                <a:hlinkClick r:id="rId5"/>
+              </a:rPr>
+              <a:t>.</a:t>
+            </a:r>
+            <a:r>
+              <a:rPr lang="en-US" smtClean="0">
+                <a:hlinkClick r:id="rId5"/>
+              </a:rPr>
+              <a:t>ppt</a:t>
+            </a:r>
+            <a:r>
+              <a:rPr lang="en-US" smtClean="0"/>
+              <a:t> </a:t>
+            </a:r>
             <a:endParaRPr lang="en-US" sz="1600" dirty="0">
               <a:latin typeface="Tahoma" pitchFamily="-65" charset="0"/>
             </a:endParaRPr>
@@ -8836,11 +8716,6 @@
               </a:rPr>
               <a:t>caGrid Experiences</a:t>
             </a:r>
-            <a:endParaRPr lang="en-US" sz="2500" i="1" dirty="0" smtClean="0">
-              <a:latin typeface="Arial Black" charset="0"/>
-              <a:ea typeface="ＭＳ Ｐゴシック" charset="-128"/>
-              <a:cs typeface="ＭＳ Ｐゴシック" charset="-128"/>
-            </a:endParaRPr>
           </a:p>
         </p:txBody>
       </p:sp>
@@ -8881,23 +8756,7 @@
                 <a:cs typeface="ＭＳ Ｐゴシック" charset="-128"/>
                 <a:hlinkClick r:id="rId2"/>
               </a:rPr>
-              <a:t>Scott.Oster</a:t>
-            </a:r>
-            <a:r>
-              <a:rPr lang="en-US" b="0" dirty="0" smtClean="0">
-                <a:ea typeface="ＭＳ Ｐゴシック" charset="-128"/>
-                <a:cs typeface="ＭＳ Ｐゴシック" charset="-128"/>
-                <a:hlinkClick r:id="rId2"/>
-              </a:rPr>
-              <a:t>@</a:t>
-            </a:r>
-            <a:r>
-              <a:rPr lang="en-US" b="0" dirty="0" smtClean="0">
-                <a:ea typeface="ＭＳ Ｐゴシック" charset="-128"/>
-                <a:cs typeface="ＭＳ Ｐゴシック" charset="-128"/>
-                <a:hlinkClick r:id="rId2"/>
-              </a:rPr>
-              <a:t>osumc.edu</a:t>
+              <a:t>Scott.Oster@osumc.edu</a:t>
             </a:r>
             <a:endParaRPr lang="en-US" b="0" dirty="0" smtClean="0">
               <a:ea typeface="ＭＳ Ｐゴシック" charset="-128"/>
@@ -9112,47 +8971,19 @@
           <a:p>
             <a:r>
               <a:rPr lang="en-US" sz="2400" b="0" dirty="0" smtClean="0"/>
-              <a:t>An open source, domain neutral (not cancer-specific) grid-based </a:t>
-            </a:r>
+              <a:t>An open source, domain neutral (not cancer-specific) grid-based software infrastructure consisting of componentized services, toolkits, APIs, and applications</a:t>
+            </a:r>
+          </a:p>
+          <a:p>
             <a:r>
               <a:rPr lang="en-US" sz="2400" b="0" dirty="0" smtClean="0"/>
-              <a:t>software </a:t>
-            </a:r>
+              <a:t>Based on federation (data, security, etc)</a:t>
+            </a:r>
+          </a:p>
+          <a:p>
             <a:r>
               <a:rPr lang="en-US" sz="2400" b="0" dirty="0" smtClean="0"/>
-              <a:t>infrastructure consisting of componentized services, toolkits, APIs, and applications</a:t>
-            </a:r>
-          </a:p>
-          <a:p>
-            <a:r>
-              <a:rPr lang="en-US" sz="2400" b="0" dirty="0" smtClean="0"/>
-              <a:t>Based </a:t>
-            </a:r>
-            <a:r>
-              <a:rPr lang="en-US" sz="2400" b="0" dirty="0" smtClean="0"/>
-              <a:t>on </a:t>
-            </a:r>
-            <a:r>
-              <a:rPr lang="en-US" sz="2400" b="0" dirty="0" smtClean="0"/>
-              <a:t>federation (data, security, etc)</a:t>
-            </a:r>
-          </a:p>
-          <a:p>
-            <a:r>
-              <a:rPr lang="en-US" sz="2400" b="0" dirty="0" smtClean="0"/>
-              <a:t>Model </a:t>
-            </a:r>
-            <a:r>
-              <a:rPr lang="en-US" sz="2400" b="0" dirty="0" smtClean="0"/>
-              <a:t>Driven, Semantically</a:t>
-            </a:r>
-            <a:r>
-              <a:rPr lang="en-US" sz="2400" b="0" dirty="0" smtClean="0"/>
-              <a:t>-Annotated Data </a:t>
-            </a:r>
-            <a:r>
-              <a:rPr lang="en-US" sz="2400" b="0" dirty="0" smtClean="0"/>
-              <a:t>Virtualization</a:t>
+              <a:t>Model Driven, Semantically-Annotated Data Virtualization</a:t>
             </a:r>
           </a:p>
         </p:txBody>
